--- a/inflearn01/doc/심화_내가만든코드는개발테스트운영에서작동합니다.pptx
+++ b/inflearn01/doc/심화_내가만든코드는개발테스트운영에서작동합니다.pptx
@@ -5,10 +5,10 @@
     <p:sldMasterId id="2147483648" r:id="rId1"/>
   </p:sldMasterIdLst>
   <p:notesMasterIdLst>
-    <p:notesMasterId r:id="rId13"/>
+    <p:notesMasterId r:id="rId14"/>
   </p:notesMasterIdLst>
   <p:handoutMasterIdLst>
-    <p:handoutMasterId r:id="rId14"/>
+    <p:handoutMasterId r:id="rId15"/>
   </p:handoutMasterIdLst>
   <p:sldIdLst>
     <p:sldId id="300" r:id="rId2"/>
@@ -22,6 +22,7 @@
     <p:sldId id="292" r:id="rId10"/>
     <p:sldId id="312" r:id="rId11"/>
     <p:sldId id="311" r:id="rId12"/>
+    <p:sldId id="316" r:id="rId13"/>
   </p:sldIdLst>
   <p:sldSz cx="12192000" cy="6858000"/>
   <p:notesSz cx="6858000" cy="9144000"/>
@@ -232,7 +233,7 @@
                 <a:latin typeface="맑은 고딕" panose="020B0503020000020004" pitchFamily="50" charset="-127"/>
                 <a:ea typeface="맑은 고딕" panose="020B0503020000020004" pitchFamily="50" charset="-127"/>
               </a:rPr>
-              <a:t>2021년 6월 9일</a:t>
+              <a:t>2021년 6월 12일</a:t>
             </a:fld>
             <a:endParaRPr lang="ko-KR" altLang="en-US">
               <a:latin typeface="맑은 고딕" panose="020B0503020000020004" pitchFamily="50" charset="-127"/>
@@ -418,7 +419,7 @@
             <a:fld id="{BE16EC8A-0758-4FA9-BF4D-3119057076D1}" type="datetime4">
               <a:rPr lang="ko-KR" altLang="en-US" smtClean="0"/>
               <a:pPr/>
-              <a:t>2021년 6월 9일</a:t>
+              <a:t>2021년 6월 12일</a:t>
             </a:fld>
             <a:endParaRPr lang="ko-KR" altLang="en-US"/>
           </a:p>
@@ -2900,7 +2901,7 @@
           <a:p>
             <a:fld id="{2A5B65E4-62A8-4988-B07B-5D6D443B14ED}" type="datetime4">
               <a:rPr lang="ko-KR" altLang="en-US" smtClean="0"/>
-              <a:t>2021년 6월 9일</a:t>
+              <a:t>2021년 6월 12일</a:t>
             </a:fld>
             <a:endParaRPr lang="ko-KR" altLang="en-US"/>
           </a:p>
@@ -3156,7 +3157,7 @@
           <a:p>
             <a:fld id="{58EB6286-0DE7-4336-9826-977AD102FCF2}" type="datetime4">
               <a:rPr lang="ko-KR" altLang="en-US" noProof="0" smtClean="0"/>
-              <a:t>2021년 6월 9일</a:t>
+              <a:t>2021년 6월 12일</a:t>
             </a:fld>
             <a:endParaRPr lang="ko-KR" altLang="en-US" noProof="0"/>
           </a:p>
@@ -3352,7 +3353,7 @@
             <a:pPr rtl="0"/>
             <a:fld id="{6A5419DA-7218-42E5-A443-F000500111E1}" type="datetime4">
               <a:rPr lang="ko-KR" altLang="en-US" noProof="0" smtClean="0"/>
-              <a:t>2021년 6월 9일</a:t>
+              <a:t>2021년 6월 12일</a:t>
             </a:fld>
             <a:endParaRPr lang="ko-KR" altLang="en-US" noProof="0"/>
           </a:p>
@@ -5753,7 +5754,7 @@
           <a:p>
             <a:fld id="{E498C52F-1DF1-4226-BAB6-C1E2EE4C9D62}" type="datetime4">
               <a:rPr lang="ko-KR" altLang="en-US" noProof="0" smtClean="0"/>
-              <a:t>2021년 6월 9일</a:t>
+              <a:t>2021년 6월 12일</a:t>
             </a:fld>
             <a:endParaRPr lang="ko-KR" altLang="en-US" noProof="0"/>
           </a:p>
@@ -6272,7 +6273,7 @@
           <a:p>
             <a:fld id="{7B1E1FFC-F755-4558-8D3C-A157D1A01A8A}" type="datetime4">
               <a:rPr lang="ko-KR" altLang="en-US" noProof="0" smtClean="0"/>
-              <a:t>2021년 6월 9일</a:t>
+              <a:t>2021년 6월 12일</a:t>
             </a:fld>
             <a:endParaRPr lang="ko-KR" altLang="en-US" noProof="0"/>
           </a:p>
@@ -6416,7 +6417,7 @@
             <a:pPr rtl="0"/>
             <a:fld id="{DA2A33C0-A4A8-4C90-B6DA-35B8CF58C816}" type="datetime4">
               <a:rPr lang="ko-KR" altLang="en-US" noProof="0" smtClean="0"/>
-              <a:t>2021년 6월 9일</a:t>
+              <a:t>2021년 6월 12일</a:t>
             </a:fld>
             <a:endParaRPr lang="ko-KR" altLang="en-US" noProof="0"/>
           </a:p>
@@ -8364,7 +8365,7 @@
           <a:p>
             <a:fld id="{53CB1B8F-A14A-4BE4-A9B9-3B263F04145C}" type="datetime4">
               <a:rPr lang="ko-KR" altLang="en-US" noProof="0" smtClean="0"/>
-              <a:t>2021년 6월 9일</a:t>
+              <a:t>2021년 6월 12일</a:t>
             </a:fld>
             <a:endParaRPr lang="ko-KR" altLang="en-US" noProof="0"/>
           </a:p>
@@ -10661,7 +10662,7 @@
           <a:p>
             <a:fld id="{5B9196A3-957C-4113-A568-B6ED9AEA3D01}" type="datetime4">
               <a:rPr lang="ko-KR" altLang="en-US" noProof="0" smtClean="0"/>
-              <a:t>2021년 6월 9일</a:t>
+              <a:t>2021년 6월 12일</a:t>
             </a:fld>
             <a:endParaRPr lang="ko-KR" altLang="en-US" noProof="0"/>
           </a:p>
@@ -14978,7 +14979,7 @@
           <a:p>
             <a:fld id="{28BEB146-D335-4DA5-9826-58595BCDBE2E}" type="datetime4">
               <a:rPr lang="ko-KR" altLang="en-US" noProof="0" smtClean="0"/>
-              <a:t>2021년 6월 9일</a:t>
+              <a:t>2021년 6월 12일</a:t>
             </a:fld>
             <a:endParaRPr lang="ko-KR" altLang="en-US" noProof="0"/>
           </a:p>
@@ -16174,6 +16175,364 @@
 </p:sld>
 </file>
 
+<file path=ppt/slides/slide12.xml><?xml version="1.0" encoding="utf-8"?>
+<p:sld xmlns:a="http://schemas.openxmlformats.org/drawingml/2006/main" xmlns:r="http://schemas.openxmlformats.org/officeDocument/2006/relationships" xmlns:p="http://schemas.openxmlformats.org/presentationml/2006/main">
+  <p:cSld>
+    <p:spTree>
+      <p:nvGrpSpPr>
+        <p:cNvPr id="1" name=""/>
+        <p:cNvGrpSpPr/>
+        <p:nvPr/>
+      </p:nvGrpSpPr>
+      <p:grpSpPr>
+        <a:xfrm>
+          <a:off x="0" y="0"/>
+          <a:ext cx="0" cy="0"/>
+          <a:chOff x="0" y="0"/>
+          <a:chExt cx="0" cy="0"/>
+        </a:xfrm>
+      </p:grpSpPr>
+      <p:sp>
+        <p:nvSpPr>
+          <p:cNvPr id="2" name="제목 1">
+            <a:extLst>
+              <a:ext uri="{FF2B5EF4-FFF2-40B4-BE49-F238E27FC236}">
+                <a16:creationId xmlns:a16="http://schemas.microsoft.com/office/drawing/2014/main" id="{28D78D5F-E582-4987-91DF-9C7C5BEBD4EB}"/>
+              </a:ext>
+            </a:extLst>
+          </p:cNvPr>
+          <p:cNvSpPr>
+            <a:spLocks noGrp="1"/>
+          </p:cNvSpPr>
+          <p:nvPr>
+            <p:ph type="title"/>
+          </p:nvPr>
+        </p:nvSpPr>
+        <p:spPr/>
+        <p:txBody>
+          <a:bodyPr/>
+          <a:lstStyle/>
+          <a:p>
+            <a:r>
+              <a:rPr lang="ko-KR" altLang="en-US" dirty="0"/>
+              <a:t>내가 만든 코드는</a:t>
+            </a:r>
+            <a:br>
+              <a:rPr lang="en-US" altLang="ko-KR" dirty="0"/>
+            </a:br>
+            <a:r>
+              <a:rPr lang="ko-KR" altLang="en-US" dirty="0"/>
+              <a:t>개발</a:t>
+            </a:r>
+            <a:r>
+              <a:rPr lang="en-US" altLang="ko-KR" dirty="0"/>
+              <a:t>/</a:t>
+            </a:r>
+            <a:r>
+              <a:rPr lang="ko-KR" altLang="en-US" dirty="0"/>
+              <a:t>테스트</a:t>
+            </a:r>
+            <a:r>
+              <a:rPr lang="en-US" altLang="ko-KR" dirty="0"/>
+              <a:t>/</a:t>
+            </a:r>
+            <a:r>
+              <a:rPr lang="ko-KR" altLang="en-US" dirty="0"/>
+              <a:t>운영에서 작동합니다</a:t>
+            </a:r>
+            <a:r>
+              <a:rPr lang="en-US" altLang="ko-KR" dirty="0"/>
+              <a:t>.</a:t>
+            </a:r>
+            <a:endParaRPr lang="ko-KR" altLang="en-US" dirty="0"/>
+          </a:p>
+        </p:txBody>
+      </p:sp>
+      <p:sp>
+        <p:nvSpPr>
+          <p:cNvPr id="3" name="내용 개체 틀 2">
+            <a:extLst>
+              <a:ext uri="{FF2B5EF4-FFF2-40B4-BE49-F238E27FC236}">
+                <a16:creationId xmlns:a16="http://schemas.microsoft.com/office/drawing/2014/main" id="{DFA47AE3-6532-4E43-9E16-6D279FF62F6D}"/>
+              </a:ext>
+            </a:extLst>
+          </p:cNvPr>
+          <p:cNvSpPr>
+            <a:spLocks noGrp="1"/>
+          </p:cNvSpPr>
+          <p:nvPr>
+            <p:ph idx="1"/>
+          </p:nvPr>
+        </p:nvSpPr>
+        <p:spPr>
+          <a:xfrm>
+            <a:off x="1295400" y="1956924"/>
+            <a:ext cx="9601200" cy="3809999"/>
+          </a:xfrm>
+        </p:spPr>
+        <p:txBody>
+          <a:bodyPr>
+            <a:normAutofit/>
+          </a:bodyPr>
+          <a:lstStyle/>
+          <a:p>
+            <a:r>
+              <a:rPr lang="en-US" altLang="ko-KR" dirty="0" err="1">
+                <a:solidFill>
+                  <a:schemeClr val="accent1"/>
+                </a:solidFill>
+              </a:rPr>
+              <a:t>init.yaml</a:t>
+            </a:r>
+            <a:r>
+              <a:rPr lang="en-US" altLang="ko-KR" dirty="0">
+                <a:solidFill>
+                  <a:schemeClr val="accent1"/>
+                </a:solidFill>
+              </a:rPr>
+              <a:t> </a:t>
+            </a:r>
+            <a:r>
+              <a:rPr lang="ko-KR" altLang="en-US" dirty="0">
+                <a:solidFill>
+                  <a:schemeClr val="accent1"/>
+                </a:solidFill>
+              </a:rPr>
+              <a:t>가 있어야 할 곳</a:t>
+            </a:r>
+            <a:endParaRPr lang="en-US" altLang="ko-KR" dirty="0">
+              <a:solidFill>
+                <a:schemeClr val="accent1"/>
+              </a:solidFill>
+            </a:endParaRPr>
+          </a:p>
+          <a:p>
+            <a:pPr lvl="1"/>
+            <a:r>
+              <a:rPr lang="en-US" altLang="ko-KR" dirty="0" err="1">
+                <a:solidFill>
+                  <a:schemeClr val="accent1"/>
+                </a:solidFill>
+              </a:rPr>
+              <a:t>classpath</a:t>
+            </a:r>
+            <a:r>
+              <a:rPr lang="en-US" altLang="ko-KR" dirty="0">
+                <a:solidFill>
+                  <a:schemeClr val="accent1"/>
+                </a:solidFill>
+              </a:rPr>
+              <a:t> </a:t>
+            </a:r>
+            <a:r>
+              <a:rPr lang="ko-KR" altLang="en-US" dirty="0">
+                <a:solidFill>
+                  <a:schemeClr val="accent1"/>
+                </a:solidFill>
+              </a:rPr>
+              <a:t>중 한곳에 위치</a:t>
+            </a:r>
+            <a:endParaRPr lang="en-US" altLang="ko-KR" dirty="0">
+              <a:solidFill>
+                <a:schemeClr val="accent1"/>
+              </a:solidFill>
+            </a:endParaRPr>
+          </a:p>
+          <a:p>
+            <a:pPr lvl="1"/>
+            <a:r>
+              <a:rPr lang="ko-KR" altLang="en-US" dirty="0">
+                <a:solidFill>
+                  <a:schemeClr val="accent1"/>
+                </a:solidFill>
+              </a:rPr>
+              <a:t>특정 패키지에 속하지 않는 곳에 위치</a:t>
+            </a:r>
+            <a:endParaRPr lang="en-US" altLang="ko-KR" dirty="0">
+              <a:solidFill>
+                <a:schemeClr val="accent1"/>
+              </a:solidFill>
+            </a:endParaRPr>
+          </a:p>
+          <a:p>
+            <a:pPr lvl="1"/>
+            <a:r>
+              <a:rPr lang="ko-KR" altLang="en-US" dirty="0">
+                <a:solidFill>
+                  <a:schemeClr val="accent1"/>
+                </a:solidFill>
+              </a:rPr>
+              <a:t>한 개의 프레임워크 여러 개의 프로젝트 수행</a:t>
+            </a:r>
+            <a:endParaRPr lang="en-US" altLang="ko-KR" dirty="0">
+              <a:solidFill>
+                <a:schemeClr val="accent1"/>
+              </a:solidFill>
+            </a:endParaRPr>
+          </a:p>
+          <a:p>
+            <a:r>
+              <a:rPr lang="en-US" altLang="ko-KR" dirty="0">
+                <a:solidFill>
+                  <a:schemeClr val="accent1"/>
+                </a:solidFill>
+              </a:rPr>
+              <a:t>/</a:t>
+            </a:r>
+            <a:r>
+              <a:rPr lang="en-US" altLang="ko-KR" dirty="0" err="1">
+                <a:solidFill>
+                  <a:schemeClr val="accent1"/>
+                </a:solidFill>
+              </a:rPr>
+              <a:t>src_biz</a:t>
+            </a:r>
+            <a:r>
+              <a:rPr lang="en-US" altLang="ko-KR" dirty="0">
+                <a:solidFill>
+                  <a:schemeClr val="accent1"/>
+                </a:solidFill>
+              </a:rPr>
+              <a:t>/</a:t>
+            </a:r>
+            <a:r>
+              <a:rPr lang="en-US" altLang="ko-KR" dirty="0" err="1">
+                <a:solidFill>
+                  <a:schemeClr val="accent1"/>
+                </a:solidFill>
+              </a:rPr>
+              <a:t>init.yaml</a:t>
+            </a:r>
+            <a:endParaRPr lang="en-US" altLang="ko-KR" dirty="0">
+              <a:solidFill>
+                <a:schemeClr val="accent1"/>
+              </a:solidFill>
+            </a:endParaRPr>
+          </a:p>
+          <a:p>
+            <a:pPr lvl="1"/>
+            <a:r>
+              <a:rPr lang="en-US" altLang="ko-KR" dirty="0" err="1">
+                <a:solidFill>
+                  <a:schemeClr val="accent1"/>
+                </a:solidFill>
+              </a:rPr>
+              <a:t>classpath</a:t>
+            </a:r>
+            <a:r>
+              <a:rPr lang="en-US" altLang="ko-KR" dirty="0">
+                <a:solidFill>
+                  <a:schemeClr val="accent1"/>
+                </a:solidFill>
+              </a:rPr>
+              <a:t>/</a:t>
+            </a:r>
+            <a:r>
+              <a:rPr lang="en-US" altLang="ko-KR" dirty="0" err="1">
+                <a:solidFill>
+                  <a:schemeClr val="accent1"/>
+                </a:solidFill>
+              </a:rPr>
+              <a:t>init.yaml</a:t>
+            </a:r>
+            <a:endParaRPr lang="en-US" altLang="ko-KR" dirty="0">
+              <a:solidFill>
+                <a:schemeClr val="accent1"/>
+              </a:solidFill>
+            </a:endParaRPr>
+          </a:p>
+          <a:p>
+            <a:pPr lvl="1"/>
+            <a:r>
+              <a:rPr lang="en-US" altLang="ko-KR" dirty="0">
+                <a:solidFill>
+                  <a:schemeClr val="accent1"/>
+                </a:solidFill>
+              </a:rPr>
+              <a:t>/src_biz2/</a:t>
+            </a:r>
+            <a:r>
+              <a:rPr lang="en-US" altLang="ko-KR" dirty="0" err="1">
+                <a:solidFill>
+                  <a:schemeClr val="accent1"/>
+                </a:solidFill>
+              </a:rPr>
+              <a:t>init.yaml</a:t>
+            </a:r>
+            <a:endParaRPr lang="en-US" altLang="ko-KR" dirty="0">
+              <a:solidFill>
+                <a:schemeClr val="accent1"/>
+              </a:solidFill>
+            </a:endParaRPr>
+          </a:p>
+          <a:p>
+            <a:pPr lvl="1"/>
+            <a:endParaRPr lang="en-US" altLang="ko-KR" dirty="0">
+              <a:solidFill>
+                <a:schemeClr val="accent1"/>
+              </a:solidFill>
+            </a:endParaRPr>
+          </a:p>
+          <a:p>
+            <a:endParaRPr lang="en-US" altLang="ko-KR" dirty="0"/>
+          </a:p>
+        </p:txBody>
+      </p:sp>
+      <p:pic>
+        <p:nvPicPr>
+          <p:cNvPr id="5" name="그림 4">
+            <a:extLst>
+              <a:ext uri="{FF2B5EF4-FFF2-40B4-BE49-F238E27FC236}">
+                <a16:creationId xmlns:a16="http://schemas.microsoft.com/office/drawing/2014/main" id="{E8F25112-B0DC-4186-82D0-2A76AE819512}"/>
+              </a:ext>
+            </a:extLst>
+          </p:cNvPr>
+          <p:cNvPicPr>
+            <a:picLocks noChangeAspect="1"/>
+          </p:cNvPicPr>
+          <p:nvPr/>
+        </p:nvPicPr>
+        <p:blipFill>
+          <a:blip r:embed="rId2"/>
+          <a:stretch>
+            <a:fillRect/>
+          </a:stretch>
+        </p:blipFill>
+        <p:spPr>
+          <a:xfrm>
+            <a:off x="7530095" y="2645837"/>
+            <a:ext cx="3115110" cy="2276793"/>
+          </a:xfrm>
+          <a:prstGeom prst="rect">
+            <a:avLst/>
+          </a:prstGeom>
+        </p:spPr>
+      </p:pic>
+    </p:spTree>
+    <p:extLst>
+      <p:ext uri="{BB962C8B-B14F-4D97-AF65-F5344CB8AC3E}">
+        <p14:creationId xmlns:p14="http://schemas.microsoft.com/office/powerpoint/2010/main" val="3793240237"/>
+      </p:ext>
+    </p:extLst>
+  </p:cSld>
+  <p:clrMapOvr>
+    <a:masterClrMapping/>
+  </p:clrMapOvr>
+  <mc:AlternateContent xmlns:mc="http://schemas.openxmlformats.org/markup-compatibility/2006" xmlns:p14="http://schemas.microsoft.com/office/powerpoint/2010/main">
+    <mc:Choice Requires="p14">
+      <p:transition spd="med" p14:dur="700">
+        <p:fade/>
+      </p:transition>
+    </mc:Choice>
+    <mc:Fallback xmlns="">
+      <p:transition spd="med">
+        <p:fade/>
+      </p:transition>
+    </mc:Fallback>
+  </mc:AlternateContent>
+</p:sld>
+</file>
+
 <file path=ppt/slides/slide2.xml><?xml version="1.0" encoding="utf-8"?>
 <p:sld xmlns:a="http://schemas.openxmlformats.org/drawingml/2006/main" xmlns:r="http://schemas.openxmlformats.org/officeDocument/2006/relationships" xmlns:p="http://schemas.openxmlformats.org/presentationml/2006/main">
   <p:cSld>
@@ -16271,110 +16630,114 @@
           <a:lstStyle/>
           <a:p>
             <a:r>
-              <a:rPr lang="ko-KR" altLang="en-US"/>
+              <a:rPr lang="ko-KR" altLang="en-US" dirty="0"/>
               <a:t>필요한 정보</a:t>
             </a:r>
-            <a:endParaRPr lang="en-US" altLang="ko-KR"/>
+            <a:endParaRPr lang="en-US" altLang="ko-KR" dirty="0"/>
           </a:p>
           <a:p>
             <a:pPr lvl="1"/>
             <a:r>
-              <a:rPr lang="ko-KR" altLang="en-US"/>
+              <a:rPr lang="ko-KR" altLang="en-US" dirty="0"/>
               <a:t>기준경로 </a:t>
             </a:r>
             <a:r>
-              <a:rPr lang="en-US" altLang="ko-KR"/>
+              <a:rPr lang="en-US" altLang="ko-KR" dirty="0"/>
               <a:t>: WAS </a:t>
             </a:r>
             <a:r>
-              <a:rPr lang="ko-KR" altLang="en-US"/>
+              <a:rPr lang="ko-KR" altLang="en-US" dirty="0"/>
               <a:t>의 </a:t>
             </a:r>
             <a:r>
-              <a:rPr lang="en-US" altLang="ko-KR"/>
+              <a:rPr lang="en-US" altLang="ko-KR" dirty="0"/>
               <a:t>ROOT(</a:t>
             </a:r>
             <a:r>
-              <a:rPr lang="ko-KR" altLang="en-US"/>
+              <a:rPr lang="ko-KR" altLang="en-US" dirty="0"/>
               <a:t>절대 경로</a:t>
             </a:r>
             <a:r>
-              <a:rPr lang="en-US" altLang="ko-KR"/>
+              <a:rPr lang="en-US" altLang="ko-KR" dirty="0"/>
               <a:t>)</a:t>
             </a:r>
           </a:p>
           <a:p>
             <a:pPr lvl="1"/>
             <a:r>
-              <a:rPr lang="ko-KR" altLang="en-US"/>
+              <a:rPr lang="ko-KR" altLang="en-US" dirty="0"/>
               <a:t>호스트 이름 </a:t>
             </a:r>
             <a:r>
-              <a:rPr lang="en-US" altLang="ko-KR"/>
+              <a:rPr lang="en-US" altLang="ko-KR" dirty="0"/>
               <a:t>: WAS </a:t>
             </a:r>
             <a:r>
-              <a:rPr lang="ko-KR" altLang="en-US"/>
+              <a:rPr lang="ko-KR" altLang="en-US" dirty="0"/>
               <a:t>가 실행되는 컴퓨터 이름</a:t>
             </a:r>
-            <a:endParaRPr lang="en-US" altLang="ko-KR"/>
+            <a:endParaRPr lang="en-US" altLang="ko-KR" dirty="0"/>
           </a:p>
           <a:p>
             <a:pPr lvl="1"/>
             <a:r>
-              <a:rPr lang="en-US" altLang="ko-KR"/>
+              <a:rPr lang="en-US" altLang="ko-KR" dirty="0"/>
               <a:t>WAS(</a:t>
             </a:r>
             <a:r>
-              <a:rPr lang="ko-KR" altLang="en-US"/>
+              <a:rPr lang="ko-KR" altLang="en-US" dirty="0"/>
               <a:t>컨테이너</a:t>
             </a:r>
             <a:r>
-              <a:rPr lang="en-US" altLang="ko-KR"/>
+              <a:rPr lang="en-US" altLang="ko-KR" dirty="0"/>
               <a:t>)</a:t>
             </a:r>
             <a:r>
-              <a:rPr lang="ko-KR" altLang="en-US"/>
+              <a:rPr lang="ko-KR" altLang="en-US" dirty="0"/>
               <a:t> </a:t>
             </a:r>
             <a:r>
-              <a:rPr lang="en-US" altLang="ko-KR"/>
+              <a:rPr lang="en-US" altLang="ko-KR" dirty="0"/>
               <a:t>: WAS</a:t>
             </a:r>
             <a:r>
-              <a:rPr lang="ko-KR" altLang="en-US"/>
+              <a:rPr lang="ko-KR" altLang="en-US" dirty="0"/>
               <a:t> 를 구분할 수 있는 이름</a:t>
             </a:r>
-            <a:endParaRPr lang="en-US" altLang="ko-KR"/>
+            <a:endParaRPr lang="en-US" altLang="ko-KR" dirty="0"/>
           </a:p>
           <a:p>
             <a:pPr lvl="1"/>
             <a:r>
-              <a:rPr lang="ko-KR" altLang="en-US"/>
-              <a:t>리로드 기능 </a:t>
-            </a:r>
-            <a:r>
-              <a:rPr lang="en-US" altLang="ko-KR"/>
+              <a:rPr lang="ko-KR" altLang="en-US" dirty="0" err="1"/>
+              <a:t>리로드</a:t>
+            </a:r>
+            <a:r>
+              <a:rPr lang="ko-KR" altLang="en-US" dirty="0"/>
+              <a:t> 기능 </a:t>
+            </a:r>
+            <a:r>
+              <a:rPr lang="en-US" altLang="ko-KR" dirty="0"/>
               <a:t>: </a:t>
             </a:r>
             <a:r>
-              <a:rPr lang="ko-KR" altLang="en-US"/>
+              <a:rPr lang="ko-KR" altLang="en-US" dirty="0"/>
               <a:t>재사용</a:t>
             </a:r>
             <a:r>
-              <a:rPr lang="en-US" altLang="ko-KR"/>
+              <a:rPr lang="en-US" altLang="ko-KR" dirty="0"/>
               <a:t>(</a:t>
             </a:r>
             <a:r>
-              <a:rPr lang="ko-KR" altLang="en-US"/>
+              <a:rPr lang="ko-KR" altLang="en-US" dirty="0"/>
               <a:t>캐쉬</a:t>
             </a:r>
             <a:r>
-              <a:rPr lang="en-US" altLang="ko-KR"/>
+              <a:rPr lang="en-US" altLang="ko-KR" dirty="0"/>
               <a:t>)</a:t>
             </a:r>
             <a:r>
-              <a:rPr lang="ko-KR" altLang="en-US"/>
+              <a:rPr lang="ko-KR" altLang="en-US" dirty="0"/>
               <a:t>된 데이터를 삭제</a:t>
             </a:r>
             <a:endParaRPr lang="en-US" altLang="ko-KR" dirty="0"/>
@@ -16501,76 +16864,88 @@
           <a:lstStyle/>
           <a:p>
             <a:r>
-              <a:rPr lang="ko-KR" altLang="en-US"/>
+              <a:rPr lang="ko-KR" altLang="en-US" dirty="0"/>
               <a:t>기준경로 </a:t>
             </a:r>
             <a:r>
-              <a:rPr lang="en-US" altLang="ko-KR"/>
+              <a:rPr lang="en-US" altLang="ko-KR" dirty="0"/>
               <a:t>: WAS </a:t>
             </a:r>
             <a:r>
-              <a:rPr lang="ko-KR" altLang="en-US"/>
+              <a:rPr lang="ko-KR" altLang="en-US" dirty="0"/>
               <a:t>의 </a:t>
             </a:r>
             <a:r>
-              <a:rPr lang="en-US" altLang="ko-KR"/>
+              <a:rPr lang="en-US" altLang="ko-KR" dirty="0"/>
               <a:t>ROOT(</a:t>
             </a:r>
             <a:r>
-              <a:rPr lang="ko-KR" altLang="en-US"/>
+              <a:rPr lang="ko-KR" altLang="en-US" dirty="0"/>
               <a:t>절대 경로</a:t>
             </a:r>
             <a:r>
-              <a:rPr lang="en-US" altLang="ko-KR"/>
+              <a:rPr lang="en-US" altLang="ko-KR" dirty="0"/>
               <a:t>)</a:t>
             </a:r>
           </a:p>
           <a:p>
             <a:r>
-              <a:rPr lang="en-US" altLang="ko-KR"/>
-              <a:t>[APP_ROOT_URL]/web</a:t>
+              <a:rPr lang="en-US" altLang="ko-KR" dirty="0"/>
+              <a:t>[WEB_APP_ROOT]/web</a:t>
             </a:r>
           </a:p>
           <a:p>
             <a:r>
-              <a:rPr lang="en-US" altLang="ko-KR"/>
-              <a:t>init.yaml -&gt; classpath </a:t>
-            </a:r>
-            <a:r>
-              <a:rPr lang="ko-KR" altLang="en-US"/>
+              <a:rPr lang="en-US" altLang="ko-KR" dirty="0" err="1"/>
+              <a:t>init.yaml</a:t>
+            </a:r>
+            <a:r>
+              <a:rPr lang="en-US" altLang="ko-KR" dirty="0"/>
+              <a:t> -&gt; </a:t>
+            </a:r>
+            <a:r>
+              <a:rPr lang="en-US" altLang="ko-KR" dirty="0" err="1"/>
+              <a:t>classpath</a:t>
+            </a:r>
+            <a:r>
+              <a:rPr lang="en-US" altLang="ko-KR" dirty="0"/>
+              <a:t> </a:t>
+            </a:r>
+            <a:r>
+              <a:rPr lang="ko-KR" altLang="en-US" dirty="0"/>
               <a:t>사용 자원 찾기 </a:t>
             </a:r>
             <a:br>
-              <a:rPr lang="en-US" altLang="ko-KR"/>
+              <a:rPr lang="en-US" altLang="ko-KR" dirty="0"/>
             </a:br>
             <a:r>
-              <a:rPr lang="en-US" altLang="ko-KR"/>
+              <a:rPr lang="en-US" altLang="ko-KR" dirty="0"/>
               <a:t>-&gt; </a:t>
             </a:r>
             <a:r>
-              <a:rPr lang="ko-KR" altLang="en-US"/>
+              <a:rPr lang="ko-KR" altLang="en-US" dirty="0"/>
               <a:t>절대경로 확인 </a:t>
             </a:r>
             <a:r>
-              <a:rPr lang="en-US" altLang="ko-KR"/>
+              <a:rPr lang="en-US" altLang="ko-KR" dirty="0"/>
               <a:t>-&gt; </a:t>
             </a:r>
             <a:r>
-              <a:rPr lang="ko-KR" altLang="en-US"/>
+              <a:rPr lang="ko-KR" altLang="en-US" dirty="0"/>
               <a:t>상대경로 탐색 </a:t>
             </a:r>
             <a:r>
-              <a:rPr lang="en-US" altLang="ko-KR"/>
+              <a:rPr lang="en-US" altLang="ko-KR" dirty="0"/>
               <a:t>-&gt; </a:t>
             </a:r>
             <a:r>
-              <a:rPr lang="ko-KR" altLang="en-US"/>
+              <a:rPr lang="ko-KR" altLang="en-US" dirty="0"/>
               <a:t>기준경로 계산</a:t>
             </a:r>
-            <a:endParaRPr lang="en-US" altLang="ko-KR"/>
+            <a:endParaRPr lang="en-US" altLang="ko-KR" dirty="0"/>
           </a:p>
           <a:p>
-            <a:endParaRPr lang="ko-KR" altLang="en-US"/>
+            <a:endParaRPr lang="ko-KR" altLang="en-US" dirty="0"/>
           </a:p>
         </p:txBody>
       </p:sp>
@@ -16658,36 +17033,6 @@
           </a:prstGeom>
         </p:spPr>
       </p:pic>
-      <p:pic>
-        <p:nvPicPr>
-          <p:cNvPr id="12" name="그림 11">
-            <a:extLst>
-              <a:ext uri="{FF2B5EF4-FFF2-40B4-BE49-F238E27FC236}">
-                <a16:creationId xmlns:a16="http://schemas.microsoft.com/office/drawing/2014/main" id="{E820C21C-1E3A-4D40-8965-7262C1063130}"/>
-              </a:ext>
-            </a:extLst>
-          </p:cNvPr>
-          <p:cNvPicPr>
-            <a:picLocks noChangeAspect="1"/>
-          </p:cNvPicPr>
-          <p:nvPr/>
-        </p:nvPicPr>
-        <p:blipFill>
-          <a:blip r:embed="rId3"/>
-          <a:stretch>
-            <a:fillRect/>
-          </a:stretch>
-        </p:blipFill>
-        <p:spPr>
-          <a:xfrm>
-            <a:off x="6225473" y="4104701"/>
-            <a:ext cx="4541656" cy="2090716"/>
-          </a:xfrm>
-          <a:prstGeom prst="rect">
-            <a:avLst/>
-          </a:prstGeom>
-        </p:spPr>
-      </p:pic>
       <p:sp>
         <p:nvSpPr>
           <p:cNvPr id="19" name="TextBox 18">
@@ -16742,6 +17087,36 @@
           </a:p>
         </p:txBody>
       </p:sp>
+      <p:pic>
+        <p:nvPicPr>
+          <p:cNvPr id="5" name="그림 4">
+            <a:extLst>
+              <a:ext uri="{FF2B5EF4-FFF2-40B4-BE49-F238E27FC236}">
+                <a16:creationId xmlns:a16="http://schemas.microsoft.com/office/drawing/2014/main" id="{1954E613-E3FA-4EFD-B299-7D4D4D86ADDF}"/>
+              </a:ext>
+            </a:extLst>
+          </p:cNvPr>
+          <p:cNvPicPr>
+            <a:picLocks noChangeAspect="1"/>
+          </p:cNvPicPr>
+          <p:nvPr/>
+        </p:nvPicPr>
+        <p:blipFill>
+          <a:blip r:embed="rId3"/>
+          <a:stretch>
+            <a:fillRect/>
+          </a:stretch>
+        </p:blipFill>
+        <p:spPr>
+          <a:xfrm>
+            <a:off x="6451302" y="4104701"/>
+            <a:ext cx="3970273" cy="2185019"/>
+          </a:xfrm>
+          <a:prstGeom prst="rect">
+            <a:avLst/>
+          </a:prstGeom>
+        </p:spPr>
+      </p:pic>
     </p:spTree>
     <p:extLst>
       <p:ext uri="{BB962C8B-B14F-4D97-AF65-F5344CB8AC3E}">
@@ -16862,69 +17237,47 @@
           <a:lstStyle/>
           <a:p>
             <a:r>
-              <a:rPr lang="ko-KR" altLang="en-US"/>
+              <a:rPr lang="ko-KR" altLang="en-US" dirty="0"/>
               <a:t>기준경로 </a:t>
             </a:r>
             <a:r>
-              <a:rPr lang="en-US" altLang="ko-KR"/>
+              <a:rPr lang="en-US" altLang="ko-KR" dirty="0"/>
               <a:t>: WAS </a:t>
             </a:r>
             <a:r>
-              <a:rPr lang="ko-KR" altLang="en-US"/>
+              <a:rPr lang="ko-KR" altLang="en-US" dirty="0"/>
               <a:t>의 </a:t>
             </a:r>
             <a:r>
-              <a:rPr lang="en-US" altLang="ko-KR"/>
+              <a:rPr lang="en-US" altLang="ko-KR" dirty="0"/>
               <a:t>ROOT(</a:t>
             </a:r>
             <a:r>
-              <a:rPr lang="ko-KR" altLang="en-US"/>
+              <a:rPr lang="ko-KR" altLang="en-US" dirty="0"/>
               <a:t>절대 경로</a:t>
             </a:r>
             <a:r>
-              <a:rPr lang="en-US" altLang="ko-KR"/>
+              <a:rPr lang="en-US" altLang="ko-KR" dirty="0"/>
               <a:t>)</a:t>
             </a:r>
           </a:p>
           <a:p>
             <a:r>
-              <a:rPr lang="en-US" altLang="ko-KR"/>
-              <a:t> appRootUrl = c:/public/b/inflearn01</a:t>
-            </a:r>
-            <a:endParaRPr lang="ko-KR" altLang="en-US"/>
+              <a:rPr lang="en-US" altLang="ko-KR" dirty="0"/>
+              <a:t> </a:t>
+            </a:r>
+            <a:r>
+              <a:rPr lang="en-US" altLang="ko-KR" dirty="0" err="1"/>
+              <a:t>webAppRoot</a:t>
+            </a:r>
+            <a:r>
+              <a:rPr lang="en-US" altLang="ko-KR" dirty="0"/>
+              <a:t> = c:/public/b/inflearn01</a:t>
+            </a:r>
+            <a:endParaRPr lang="ko-KR" altLang="en-US" dirty="0"/>
           </a:p>
         </p:txBody>
       </p:sp>
-      <p:pic>
-        <p:nvPicPr>
-          <p:cNvPr id="6" name="그림 5">
-            <a:extLst>
-              <a:ext uri="{FF2B5EF4-FFF2-40B4-BE49-F238E27FC236}">
-                <a16:creationId xmlns:a16="http://schemas.microsoft.com/office/drawing/2014/main" id="{343047FB-EEF6-435F-A313-4C67C1BEEE6A}"/>
-              </a:ext>
-            </a:extLst>
-          </p:cNvPr>
-          <p:cNvPicPr>
-            <a:picLocks noChangeAspect="1"/>
-          </p:cNvPicPr>
-          <p:nvPr/>
-        </p:nvPicPr>
-        <p:blipFill>
-          <a:blip r:embed="rId2"/>
-          <a:stretch>
-            <a:fillRect/>
-          </a:stretch>
-        </p:blipFill>
-        <p:spPr>
-          <a:xfrm>
-            <a:off x="728958" y="3429000"/>
-            <a:ext cx="4648849" cy="2343477"/>
-          </a:xfrm>
-          <a:prstGeom prst="rect">
-            <a:avLst/>
-          </a:prstGeom>
-        </p:spPr>
-      </p:pic>
       <p:pic>
         <p:nvPicPr>
           <p:cNvPr id="9" name="그림 8">
@@ -16940,7 +17293,7 @@
           <p:nvPr/>
         </p:nvPicPr>
         <p:blipFill>
-          <a:blip r:embed="rId3"/>
+          <a:blip r:embed="rId2"/>
           <a:stretch>
             <a:fillRect/>
           </a:stretch>
@@ -17060,7 +17413,7 @@
           <p:nvPr/>
         </p:nvPicPr>
         <p:blipFill>
-          <a:blip r:embed="rId4"/>
+          <a:blip r:embed="rId3"/>
           <a:stretch>
             <a:fillRect/>
           </a:stretch>
@@ -17069,6 +17422,36 @@
           <a:xfrm>
             <a:off x="8396452" y="774943"/>
             <a:ext cx="3066590" cy="3252879"/>
+          </a:xfrm>
+          <a:prstGeom prst="rect">
+            <a:avLst/>
+          </a:prstGeom>
+        </p:spPr>
+      </p:pic>
+      <p:pic>
+        <p:nvPicPr>
+          <p:cNvPr id="5" name="그림 4">
+            <a:extLst>
+              <a:ext uri="{FF2B5EF4-FFF2-40B4-BE49-F238E27FC236}">
+                <a16:creationId xmlns:a16="http://schemas.microsoft.com/office/drawing/2014/main" id="{C20BD447-8CE1-4BCE-B0EC-BE4F311B2A74}"/>
+              </a:ext>
+            </a:extLst>
+          </p:cNvPr>
+          <p:cNvPicPr>
+            <a:picLocks noChangeAspect="1"/>
+          </p:cNvPicPr>
+          <p:nvPr/>
+        </p:nvPicPr>
+        <p:blipFill>
+          <a:blip r:embed="rId4"/>
+          <a:stretch>
+            <a:fillRect/>
+          </a:stretch>
+        </p:blipFill>
+        <p:spPr>
+          <a:xfrm>
+            <a:off x="862261" y="3450215"/>
+            <a:ext cx="4439270" cy="2362530"/>
           </a:xfrm>
           <a:prstGeom prst="rect">
             <a:avLst/>

--- a/inflearn01/doc/심화_내가만든코드는개발테스트운영에서작동합니다.pptx
+++ b/inflearn01/doc/심화_내가만든코드는개발테스트운영에서작동합니다.pptx
@@ -15541,14 +15541,13 @@
           <a:p>
             <a:pPr lvl="1"/>
             <a:r>
-              <a:rPr lang="ko-KR" altLang="en-US"/>
+              <a:rPr lang="ko-KR" altLang="en-US" dirty="0"/>
               <a:t>개발자 </a:t>
             </a:r>
             <a:r>
-              <a:rPr lang="en-US" altLang="ko-KR"/>
+              <a:rPr lang="en-US" altLang="ko-KR" dirty="0"/>
               <a:t>PC</a:t>
             </a:r>
-            <a:endParaRPr lang="en-US" altLang="ko-KR" dirty="0"/>
           </a:p>
           <a:p>
             <a:r>
@@ -15565,15 +15564,11 @@
             </a:r>
             <a:r>
               <a:rPr lang="en-US" altLang="ko-KR" dirty="0" err="1"/>
-              <a:t>javax.sql</a:t>
-            </a:r>
-            <a:r>
-              <a:rPr lang="en-US" altLang="ko-KR" err="1"/>
-              <a:t>.</a:t>
-            </a:r>
-            <a:r>
-              <a:rPr lang="en-US" altLang="ko-KR"/>
-              <a:t>DataSource(Connection Pool) </a:t>
+              <a:t>javax.sql.DataSource</a:t>
+            </a:r>
+            <a:r>
+              <a:rPr lang="en-US" altLang="ko-KR" dirty="0"/>
+              <a:t>(Connection Pool) </a:t>
             </a:r>
             <a:r>
               <a:rPr lang="ko-KR" altLang="en-US" dirty="0"/>
@@ -15606,20 +15601,12 @@
               <a:t>이중화</a:t>
             </a:r>
             <a:r>
-              <a:rPr lang="en-US" altLang="ko-KR"/>
+              <a:rPr lang="en-US" altLang="ko-KR" dirty="0"/>
               <a:t>, </a:t>
             </a:r>
             <a:r>
-              <a:rPr lang="ko-KR" altLang="en-US"/>
+              <a:rPr lang="ko-KR" altLang="en-US" dirty="0"/>
               <a:t>컨테이너 식별자 필요</a:t>
-            </a:r>
-            <a:endParaRPr lang="en-US" altLang="ko-KR"/>
-          </a:p>
-          <a:p>
-            <a:pPr lvl="1"/>
-            <a:r>
-              <a:rPr lang="ko-KR" altLang="en-US"/>
-              <a:t>배치프로그램</a:t>
             </a:r>
             <a:endParaRPr lang="en-US" altLang="ko-KR" dirty="0"/>
           </a:p>
@@ -15627,14 +15614,22 @@
             <a:pPr lvl="1"/>
             <a:r>
               <a:rPr lang="ko-KR" altLang="en-US" dirty="0"/>
+              <a:t>배치프로그램</a:t>
+            </a:r>
+            <a:endParaRPr lang="en-US" altLang="ko-KR" dirty="0"/>
+          </a:p>
+          <a:p>
+            <a:pPr lvl="1"/>
+            <a:r>
+              <a:rPr lang="ko-KR" altLang="en-US" dirty="0"/>
               <a:t>형상 통제</a:t>
             </a:r>
             <a:r>
-              <a:rPr lang="en-US" altLang="ko-KR"/>
+              <a:rPr lang="en-US" altLang="ko-KR" dirty="0"/>
               <a:t>, </a:t>
             </a:r>
             <a:r>
-              <a:rPr lang="ko-KR" altLang="en-US"/>
+              <a:rPr lang="ko-KR" altLang="en-US" dirty="0"/>
               <a:t>재가동 비용이 큼</a:t>
             </a:r>
             <a:endParaRPr lang="en-US" altLang="ko-KR" dirty="0"/>
@@ -16014,14 +16009,14 @@
           <a:lstStyle/>
           <a:p>
             <a:r>
-              <a:rPr lang="ko-KR" altLang="en-US">
+              <a:rPr lang="ko-KR" altLang="en-US" dirty="0">
                 <a:solidFill>
                   <a:schemeClr val="accent1"/>
                 </a:solidFill>
               </a:rPr>
               <a:t>실행하는 환경에 의존하지 않는 작동하는 소프트웨어 전달</a:t>
             </a:r>
-            <a:endParaRPr lang="en-US" altLang="ko-KR">
+            <a:endParaRPr lang="en-US" altLang="ko-KR" dirty="0">
               <a:solidFill>
                 <a:schemeClr val="accent1"/>
               </a:solidFill>
@@ -16029,14 +16024,38 @@
           </a:p>
           <a:p>
             <a:r>
-              <a:rPr lang="ko-KR" altLang="en-US">
+              <a:rPr lang="ko-KR" altLang="en-US" dirty="0" err="1">
                 <a:solidFill>
                   <a:schemeClr val="accent1"/>
                 </a:solidFill>
               </a:rPr>
-              <a:t>비기능 품질속성 중 이식성 해결</a:t>
-            </a:r>
-            <a:endParaRPr lang="en-US" altLang="ko-KR">
+              <a:t>비기능</a:t>
+            </a:r>
+            <a:r>
+              <a:rPr lang="ko-KR" altLang="en-US" dirty="0">
+                <a:solidFill>
+                  <a:schemeClr val="accent1"/>
+                </a:solidFill>
+              </a:rPr>
+              <a:t> 품질속성 중 </a:t>
+            </a:r>
+            <a:r>
+              <a:rPr lang="ko-KR" altLang="en-US" dirty="0" err="1">
+                <a:solidFill>
+                  <a:schemeClr val="accent1"/>
+                </a:solidFill>
+              </a:rPr>
+              <a:t>이식성</a:t>
+            </a:r>
+            <a:r>
+              <a:rPr lang="ko-KR" altLang="en-US" dirty="0">
+                <a:solidFill>
+                  <a:schemeClr val="accent1"/>
+                </a:solidFill>
+              </a:rPr>
+              <a:t> 해결</a:t>
+            </a:r>
+            <a:endParaRPr lang="en-US" altLang="ko-KR" dirty="0">
               <a:solidFill>
                 <a:schemeClr val="accent1"/>
               </a:solidFill>
@@ -16045,105 +16064,109 @@
           <a:p>
             <a:pPr lvl="1"/>
             <a:r>
-              <a:rPr lang="ko-KR" altLang="en-US"/>
+              <a:rPr lang="ko-KR" altLang="en-US" dirty="0"/>
               <a:t>기준경로 </a:t>
             </a:r>
             <a:r>
-              <a:rPr lang="en-US" altLang="ko-KR"/>
+              <a:rPr lang="en-US" altLang="ko-KR" dirty="0"/>
               <a:t>: WAS </a:t>
             </a:r>
             <a:r>
-              <a:rPr lang="ko-KR" altLang="en-US"/>
+              <a:rPr lang="ko-KR" altLang="en-US" dirty="0"/>
               <a:t>의 </a:t>
             </a:r>
             <a:r>
-              <a:rPr lang="en-US" altLang="ko-KR"/>
+              <a:rPr lang="en-US" altLang="ko-KR" dirty="0"/>
               <a:t>ROOT(</a:t>
             </a:r>
             <a:r>
-              <a:rPr lang="ko-KR" altLang="en-US"/>
+              <a:rPr lang="ko-KR" altLang="en-US" dirty="0"/>
               <a:t>절대 경로</a:t>
             </a:r>
             <a:r>
-              <a:rPr lang="en-US" altLang="ko-KR"/>
+              <a:rPr lang="en-US" altLang="ko-KR" dirty="0"/>
               <a:t>)</a:t>
             </a:r>
           </a:p>
           <a:p>
             <a:pPr lvl="1"/>
             <a:r>
-              <a:rPr lang="ko-KR" altLang="en-US"/>
+              <a:rPr lang="ko-KR" altLang="en-US" dirty="0"/>
               <a:t>호스트 이름 </a:t>
             </a:r>
             <a:r>
-              <a:rPr lang="en-US" altLang="ko-KR"/>
+              <a:rPr lang="en-US" altLang="ko-KR" dirty="0"/>
               <a:t>: WAS </a:t>
             </a:r>
             <a:r>
-              <a:rPr lang="ko-KR" altLang="en-US"/>
+              <a:rPr lang="ko-KR" altLang="en-US" dirty="0"/>
               <a:t>가 실행되는 컴퓨터 이름</a:t>
             </a:r>
-            <a:endParaRPr lang="en-US" altLang="ko-KR"/>
+            <a:endParaRPr lang="en-US" altLang="ko-KR" dirty="0"/>
           </a:p>
           <a:p>
             <a:pPr lvl="1"/>
             <a:r>
-              <a:rPr lang="en-US" altLang="ko-KR"/>
+              <a:rPr lang="en-US" altLang="ko-KR" dirty="0"/>
               <a:t>WAS(</a:t>
             </a:r>
             <a:r>
-              <a:rPr lang="ko-KR" altLang="en-US"/>
+              <a:rPr lang="ko-KR" altLang="en-US" dirty="0"/>
               <a:t>컨테이너</a:t>
             </a:r>
             <a:r>
-              <a:rPr lang="en-US" altLang="ko-KR"/>
+              <a:rPr lang="en-US" altLang="ko-KR" dirty="0"/>
               <a:t>)</a:t>
             </a:r>
             <a:r>
-              <a:rPr lang="ko-KR" altLang="en-US"/>
+              <a:rPr lang="ko-KR" altLang="en-US" dirty="0"/>
               <a:t> </a:t>
             </a:r>
             <a:r>
-              <a:rPr lang="en-US" altLang="ko-KR"/>
+              <a:rPr lang="en-US" altLang="ko-KR" dirty="0"/>
               <a:t>: WAS</a:t>
             </a:r>
             <a:r>
-              <a:rPr lang="ko-KR" altLang="en-US"/>
+              <a:rPr lang="ko-KR" altLang="en-US" dirty="0"/>
               <a:t> 를 구분할 수 있는 이름</a:t>
             </a:r>
-            <a:endParaRPr lang="en-US" altLang="ko-KR"/>
+            <a:endParaRPr lang="en-US" altLang="ko-KR" dirty="0"/>
           </a:p>
           <a:p>
             <a:pPr lvl="1"/>
             <a:r>
-              <a:rPr lang="ko-KR" altLang="en-US"/>
-              <a:t>리로드 기능 </a:t>
-            </a:r>
-            <a:r>
-              <a:rPr lang="en-US" altLang="ko-KR"/>
+              <a:rPr lang="ko-KR" altLang="en-US" dirty="0" err="1"/>
+              <a:t>리로드</a:t>
+            </a:r>
+            <a:r>
+              <a:rPr lang="ko-KR" altLang="en-US" dirty="0"/>
+              <a:t> 기능 </a:t>
+            </a:r>
+            <a:r>
+              <a:rPr lang="en-US" altLang="ko-KR" dirty="0"/>
               <a:t>: </a:t>
             </a:r>
             <a:r>
-              <a:rPr lang="ko-KR" altLang="en-US"/>
+              <a:rPr lang="ko-KR" altLang="en-US" dirty="0"/>
               <a:t>재사용</a:t>
             </a:r>
             <a:r>
-              <a:rPr lang="en-US" altLang="ko-KR"/>
+              <a:rPr lang="en-US" altLang="ko-KR" dirty="0"/>
               <a:t>(</a:t>
             </a:r>
             <a:r>
-              <a:rPr lang="ko-KR" altLang="en-US"/>
+              <a:rPr lang="ko-KR" altLang="en-US" dirty="0"/>
               <a:t>캐쉬</a:t>
             </a:r>
             <a:r>
-              <a:rPr lang="en-US" altLang="ko-KR"/>
+              <a:rPr lang="en-US" altLang="ko-KR" dirty="0"/>
               <a:t>)</a:t>
             </a:r>
             <a:r>
-              <a:rPr lang="ko-KR" altLang="en-US"/>
+              <a:rPr lang="ko-KR" altLang="en-US" dirty="0"/>
               <a:t>된 데이터를 삭제</a:t>
             </a:r>
-            <a:endParaRPr lang="en-US" altLang="ko-KR"/>
+            <a:endParaRPr lang="en-US" altLang="ko-KR" dirty="0"/>
           </a:p>
           <a:p>
             <a:endParaRPr lang="en-US" altLang="ko-KR" dirty="0"/>
